--- a/웹 다이어그램.pptx
+++ b/웹 다이어그램.pptx
@@ -5,8 +5,9 @@
     <p:sldMasterId id="2147483648" r:id="rId1"/>
   </p:sldMasterIdLst>
   <p:sldIdLst>
-    <p:sldId id="256" r:id="rId2"/>
+    <p:sldId id="258" r:id="rId2"/>
     <p:sldId id="257" r:id="rId3"/>
+    <p:sldId id="256" r:id="rId4"/>
   </p:sldIdLst>
   <p:sldSz cx="12192000" cy="6858000"/>
   <p:notesSz cx="6858000" cy="9144000"/>
@@ -260,7 +261,7 @@
           <a:p>
             <a:fld id="{21241E13-D1C2-4235-A106-D816ED148658}" type="datetimeFigureOut">
               <a:rPr lang="ko-KR" altLang="en-US" smtClean="0"/>
-              <a:t>2020-11-06</a:t>
+              <a:t>2020-11-20</a:t>
             </a:fld>
             <a:endParaRPr lang="ko-KR" altLang="en-US"/>
           </a:p>
@@ -458,7 +459,7 @@
           <a:p>
             <a:fld id="{21241E13-D1C2-4235-A106-D816ED148658}" type="datetimeFigureOut">
               <a:rPr lang="ko-KR" altLang="en-US" smtClean="0"/>
-              <a:t>2020-11-06</a:t>
+              <a:t>2020-11-20</a:t>
             </a:fld>
             <a:endParaRPr lang="ko-KR" altLang="en-US"/>
           </a:p>
@@ -666,7 +667,7 @@
           <a:p>
             <a:fld id="{21241E13-D1C2-4235-A106-D816ED148658}" type="datetimeFigureOut">
               <a:rPr lang="ko-KR" altLang="en-US" smtClean="0"/>
-              <a:t>2020-11-06</a:t>
+              <a:t>2020-11-20</a:t>
             </a:fld>
             <a:endParaRPr lang="ko-KR" altLang="en-US"/>
           </a:p>
@@ -864,7 +865,7 @@
           <a:p>
             <a:fld id="{21241E13-D1C2-4235-A106-D816ED148658}" type="datetimeFigureOut">
               <a:rPr lang="ko-KR" altLang="en-US" smtClean="0"/>
-              <a:t>2020-11-06</a:t>
+              <a:t>2020-11-20</a:t>
             </a:fld>
             <a:endParaRPr lang="ko-KR" altLang="en-US"/>
           </a:p>
@@ -1139,7 +1140,7 @@
           <a:p>
             <a:fld id="{21241E13-D1C2-4235-A106-D816ED148658}" type="datetimeFigureOut">
               <a:rPr lang="ko-KR" altLang="en-US" smtClean="0"/>
-              <a:t>2020-11-06</a:t>
+              <a:t>2020-11-20</a:t>
             </a:fld>
             <a:endParaRPr lang="ko-KR" altLang="en-US"/>
           </a:p>
@@ -1404,7 +1405,7 @@
           <a:p>
             <a:fld id="{21241E13-D1C2-4235-A106-D816ED148658}" type="datetimeFigureOut">
               <a:rPr lang="ko-KR" altLang="en-US" smtClean="0"/>
-              <a:t>2020-11-06</a:t>
+              <a:t>2020-11-20</a:t>
             </a:fld>
             <a:endParaRPr lang="ko-KR" altLang="en-US"/>
           </a:p>
@@ -1816,7 +1817,7 @@
           <a:p>
             <a:fld id="{21241E13-D1C2-4235-A106-D816ED148658}" type="datetimeFigureOut">
               <a:rPr lang="ko-KR" altLang="en-US" smtClean="0"/>
-              <a:t>2020-11-06</a:t>
+              <a:t>2020-11-20</a:t>
             </a:fld>
             <a:endParaRPr lang="ko-KR" altLang="en-US"/>
           </a:p>
@@ -1957,7 +1958,7 @@
           <a:p>
             <a:fld id="{21241E13-D1C2-4235-A106-D816ED148658}" type="datetimeFigureOut">
               <a:rPr lang="ko-KR" altLang="en-US" smtClean="0"/>
-              <a:t>2020-11-06</a:t>
+              <a:t>2020-11-20</a:t>
             </a:fld>
             <a:endParaRPr lang="ko-KR" altLang="en-US"/>
           </a:p>
@@ -2070,7 +2071,7 @@
           <a:p>
             <a:fld id="{21241E13-D1C2-4235-A106-D816ED148658}" type="datetimeFigureOut">
               <a:rPr lang="ko-KR" altLang="en-US" smtClean="0"/>
-              <a:t>2020-11-06</a:t>
+              <a:t>2020-11-20</a:t>
             </a:fld>
             <a:endParaRPr lang="ko-KR" altLang="en-US"/>
           </a:p>
@@ -2381,7 +2382,7 @@
           <a:p>
             <a:fld id="{21241E13-D1C2-4235-A106-D816ED148658}" type="datetimeFigureOut">
               <a:rPr lang="ko-KR" altLang="en-US" smtClean="0"/>
-              <a:t>2020-11-06</a:t>
+              <a:t>2020-11-20</a:t>
             </a:fld>
             <a:endParaRPr lang="ko-KR" altLang="en-US"/>
           </a:p>
@@ -2669,7 +2670,7 @@
           <a:p>
             <a:fld id="{21241E13-D1C2-4235-A106-D816ED148658}" type="datetimeFigureOut">
               <a:rPr lang="ko-KR" altLang="en-US" smtClean="0"/>
-              <a:t>2020-11-06</a:t>
+              <a:t>2020-11-20</a:t>
             </a:fld>
             <a:endParaRPr lang="ko-KR" altLang="en-US"/>
           </a:p>
@@ -2910,7 +2911,7 @@
           <a:p>
             <a:fld id="{21241E13-D1C2-4235-A106-D816ED148658}" type="datetimeFigureOut">
               <a:rPr lang="ko-KR" altLang="en-US" smtClean="0"/>
-              <a:t>2020-11-06</a:t>
+              <a:t>2020-11-20</a:t>
             </a:fld>
             <a:endParaRPr lang="ko-KR" altLang="en-US"/>
           </a:p>
@@ -3332,7 +3333,7 @@
           <p:cNvPr id="4" name="그림 3">
             <a:extLst>
               <a:ext uri="{FF2B5EF4-FFF2-40B4-BE49-F238E27FC236}">
-                <a16:creationId xmlns:a16="http://schemas.microsoft.com/office/drawing/2014/main" id="{81CF6A80-30A4-4416-A69F-C15C2C44FE55}"/>
+                <a16:creationId xmlns:a16="http://schemas.microsoft.com/office/drawing/2014/main" id="{3F6746AC-CC11-4DFD-9833-FF737C24B23C}"/>
               </a:ext>
             </a:extLst>
           </p:cNvPr>
@@ -3342,37 +3343,7 @@
           <p:nvPr/>
         </p:nvPicPr>
         <p:blipFill>
-          <a:blip r:embed="rId2"/>
-          <a:stretch>
-            <a:fillRect/>
-          </a:stretch>
-        </p:blipFill>
-        <p:spPr>
-          <a:xfrm>
-            <a:off x="347005" y="807301"/>
-            <a:ext cx="2276475" cy="2181225"/>
-          </a:xfrm>
-          <a:prstGeom prst="rect">
-            <a:avLst/>
-          </a:prstGeom>
-        </p:spPr>
-      </p:pic>
-      <p:pic>
-        <p:nvPicPr>
-          <p:cNvPr id="6" name="그림 5">
-            <a:extLst>
-              <a:ext uri="{FF2B5EF4-FFF2-40B4-BE49-F238E27FC236}">
-                <a16:creationId xmlns:a16="http://schemas.microsoft.com/office/drawing/2014/main" id="{5FF80791-9FB2-4592-8BB8-DF16D5CF441F}"/>
-              </a:ext>
-            </a:extLst>
-          </p:cNvPr>
-          <p:cNvPicPr>
-            <a:picLocks noChangeAspect="1"/>
-          </p:cNvPicPr>
-          <p:nvPr/>
-        </p:nvPicPr>
-        <p:blipFill>
-          <a:blip r:embed="rId3">
+          <a:blip r:embed="rId2">
             <a:extLst>
               <a:ext uri="{28A0092B-C50C-407E-A947-70E740481C1C}">
                 <a14:useLocalDpi xmlns:a14="http://schemas.microsoft.com/office/drawing/2010/main" val="0"/>
@@ -3385,56 +3356,20 @@
         </p:blipFill>
         <p:spPr>
           <a:xfrm>
-            <a:off x="5711830" y="2461859"/>
-            <a:ext cx="1934275" cy="1934275"/>
+            <a:off x="4530131" y="1261379"/>
+            <a:ext cx="1471667" cy="1471667"/>
           </a:xfrm>
           <a:prstGeom prst="rect">
             <a:avLst/>
           </a:prstGeom>
         </p:spPr>
       </p:pic>
-      <p:pic>
-        <p:nvPicPr>
-          <p:cNvPr id="8" name="그림 7">
-            <a:extLst>
-              <a:ext uri="{FF2B5EF4-FFF2-40B4-BE49-F238E27FC236}">
-                <a16:creationId xmlns:a16="http://schemas.microsoft.com/office/drawing/2014/main" id="{AA1DCFB4-7986-4154-A047-C332460864FA}"/>
-              </a:ext>
-            </a:extLst>
-          </p:cNvPr>
-          <p:cNvPicPr>
-            <a:picLocks noChangeAspect="1"/>
-          </p:cNvPicPr>
-          <p:nvPr/>
-        </p:nvPicPr>
-        <p:blipFill>
-          <a:blip r:embed="rId4">
-            <a:extLst>
-              <a:ext uri="{28A0092B-C50C-407E-A947-70E740481C1C}">
-                <a14:useLocalDpi xmlns:a14="http://schemas.microsoft.com/office/drawing/2010/main" val="0"/>
-              </a:ext>
-            </a:extLst>
-          </a:blip>
-          <a:stretch>
-            <a:fillRect/>
-          </a:stretch>
-        </p:blipFill>
-        <p:spPr>
-          <a:xfrm>
-            <a:off x="646887" y="4090749"/>
-            <a:ext cx="1687324" cy="1687324"/>
-          </a:xfrm>
-          <a:prstGeom prst="rect">
-            <a:avLst/>
-          </a:prstGeom>
-        </p:spPr>
-      </p:pic>
-      <p:sp>
-        <p:nvSpPr>
-          <p:cNvPr id="18" name="십자형 17">
-            <a:extLst>
-              <a:ext uri="{FF2B5EF4-FFF2-40B4-BE49-F238E27FC236}">
-                <a16:creationId xmlns:a16="http://schemas.microsoft.com/office/drawing/2014/main" id="{87E17DA3-BB54-4745-A3F9-178A801EBE41}"/>
+      <p:sp>
+        <p:nvSpPr>
+          <p:cNvPr id="6" name="화살표: 아래로 구부러짐 5">
+            <a:extLst>
+              <a:ext uri="{FF2B5EF4-FFF2-40B4-BE49-F238E27FC236}">
+                <a16:creationId xmlns:a16="http://schemas.microsoft.com/office/drawing/2014/main" id="{DB3632B5-89FE-4301-9DFA-BC8D1E33796B}"/>
               </a:ext>
             </a:extLst>
           </p:cNvPr>
@@ -3443,12 +3378,14 @@
         </p:nvSpPr>
         <p:spPr>
           <a:xfrm>
-            <a:off x="1267793" y="3473601"/>
-            <a:ext cx="434898" cy="418171"/>
-          </a:xfrm>
-          <a:prstGeom prst="plus">
+            <a:off x="6442285" y="1346208"/>
+            <a:ext cx="1816609" cy="399049"/>
+          </a:xfrm>
+          <a:prstGeom prst="curvedDownArrow">
             <a:avLst>
-              <a:gd name="adj" fmla="val 39744"/>
+              <a:gd name="adj1" fmla="val 17884"/>
+              <a:gd name="adj2" fmla="val 35426"/>
+              <a:gd name="adj3" fmla="val 39458"/>
             </a:avLst>
           </a:prstGeom>
           <a:solidFill>
@@ -3479,16 +3416,20 @@
           <a:lstStyle/>
           <a:p>
             <a:pPr algn="ctr"/>
-            <a:endParaRPr lang="ko-KR" altLang="en-US"/>
-          </a:p>
-        </p:txBody>
-      </p:sp>
-      <p:sp>
-        <p:nvSpPr>
-          <p:cNvPr id="21" name="화살표: 오른쪽 20">
-            <a:extLst>
-              <a:ext uri="{FF2B5EF4-FFF2-40B4-BE49-F238E27FC236}">
-                <a16:creationId xmlns:a16="http://schemas.microsoft.com/office/drawing/2014/main" id="{DB90D68E-522F-4911-8A0D-4E8CC94DEEC0}"/>
+            <a:endParaRPr lang="ko-KR" altLang="en-US">
+              <a:solidFill>
+                <a:schemeClr val="tx1"/>
+              </a:solidFill>
+            </a:endParaRPr>
+          </a:p>
+        </p:txBody>
+      </p:sp>
+      <p:sp>
+        <p:nvSpPr>
+          <p:cNvPr id="7" name="화살표: 아래로 구부러짐 6">
+            <a:extLst>
+              <a:ext uri="{FF2B5EF4-FFF2-40B4-BE49-F238E27FC236}">
+                <a16:creationId xmlns:a16="http://schemas.microsoft.com/office/drawing/2014/main" id="{3FEB741B-CEC9-44A1-80B7-736D56C065BC}"/>
               </a:ext>
             </a:extLst>
           </p:cNvPr>
@@ -3496,14 +3437,15 @@
           <p:nvPr/>
         </p:nvSpPr>
         <p:spPr>
-          <a:xfrm>
-            <a:off x="2654792" y="3088884"/>
-            <a:ext cx="2842760" cy="418170"/>
-          </a:xfrm>
-          <a:prstGeom prst="rightArrow">
+          <a:xfrm rot="10800000">
+            <a:off x="6407333" y="2490727"/>
+            <a:ext cx="1851560" cy="399049"/>
+          </a:xfrm>
+          <a:prstGeom prst="curvedDownArrow">
             <a:avLst>
-              <a:gd name="adj1" fmla="val 28666"/>
-              <a:gd name="adj2" fmla="val 92667"/>
+              <a:gd name="adj1" fmla="val 17884"/>
+              <a:gd name="adj2" fmla="val 35426"/>
+              <a:gd name="adj3" fmla="val 39458"/>
             </a:avLst>
           </a:prstGeom>
           <a:solidFill>
@@ -3534,16 +3476,20 @@
           <a:lstStyle/>
           <a:p>
             <a:pPr algn="ctr"/>
-            <a:endParaRPr lang="ko-KR" altLang="en-US"/>
-          </a:p>
-        </p:txBody>
-      </p:sp>
-      <p:sp>
-        <p:nvSpPr>
-          <p:cNvPr id="22" name="TextBox 21">
-            <a:extLst>
-              <a:ext uri="{FF2B5EF4-FFF2-40B4-BE49-F238E27FC236}">
-                <a16:creationId xmlns:a16="http://schemas.microsoft.com/office/drawing/2014/main" id="{343FF104-D41A-404B-B22C-F1660927FEC9}"/>
+            <a:endParaRPr lang="ko-KR" altLang="en-US">
+              <a:solidFill>
+                <a:schemeClr val="tx1"/>
+              </a:solidFill>
+            </a:endParaRPr>
+          </a:p>
+        </p:txBody>
+      </p:sp>
+      <p:sp>
+        <p:nvSpPr>
+          <p:cNvPr id="8" name="TextBox 7">
+            <a:extLst>
+              <a:ext uri="{FF2B5EF4-FFF2-40B4-BE49-F238E27FC236}">
+                <a16:creationId xmlns:a16="http://schemas.microsoft.com/office/drawing/2014/main" id="{F8AD6CA0-1648-4AF4-8258-C832465A5EBC}"/>
               </a:ext>
             </a:extLst>
           </p:cNvPr>
@@ -3552,8 +3498,8 @@
         </p:nvSpPr>
         <p:spPr>
           <a:xfrm>
-            <a:off x="3047912" y="2353347"/>
-            <a:ext cx="1671098" cy="646331"/>
+            <a:off x="4580019" y="2825379"/>
+            <a:ext cx="1397497" cy="1200329"/>
           </a:xfrm>
           <a:prstGeom prst="rect">
             <a:avLst/>
@@ -3566,170 +3512,65 @@
           </a:bodyPr>
           <a:lstStyle/>
           <a:p>
+            <a:pPr algn="ctr"/>
             <a:r>
               <a:rPr lang="en-US" altLang="ko-KR" dirty="0"/>
-              <a:t>SQL Injection</a:t>
-            </a:r>
-          </a:p>
-          <a:p>
+              <a:t>EC2</a:t>
+            </a:r>
+            <a:r>
+              <a:rPr lang="ko-KR" altLang="en-US" dirty="0"/>
+              <a:t>로 만든</a:t>
+            </a:r>
+            <a:endParaRPr lang="en-US" altLang="ko-KR" dirty="0"/>
+          </a:p>
+          <a:p>
+            <a:pPr algn="ctr"/>
             <a:r>
               <a:rPr lang="en-US" altLang="ko-KR" dirty="0"/>
-              <a:t>(GET or POST)</a:t>
-            </a:r>
-            <a:endParaRPr lang="ko-KR" altLang="en-US" dirty="0"/>
-          </a:p>
-        </p:txBody>
-      </p:sp>
-      <p:sp>
-        <p:nvSpPr>
-          <p:cNvPr id="23" name="TextBox 22">
-            <a:extLst>
-              <a:ext uri="{FF2B5EF4-FFF2-40B4-BE49-F238E27FC236}">
-                <a16:creationId xmlns:a16="http://schemas.microsoft.com/office/drawing/2014/main" id="{66CB3F5A-8A4F-4304-A0CA-3AD86EF7DD4F}"/>
-              </a:ext>
-            </a:extLst>
-          </p:cNvPr>
-          <p:cNvSpPr txBox="1"/>
+              <a:t>Web Server</a:t>
+            </a:r>
+          </a:p>
+          <a:p>
+            <a:pPr algn="ctr"/>
+            <a:r>
+              <a:rPr lang="en-US" altLang="ko-KR" dirty="0"/>
+              <a:t>with</a:t>
+            </a:r>
+          </a:p>
+          <a:p>
+            <a:pPr algn="ctr"/>
+            <a:r>
+              <a:rPr lang="en-US" altLang="ko-KR" dirty="0"/>
+              <a:t>‘React’</a:t>
+            </a:r>
+          </a:p>
+        </p:txBody>
+      </p:sp>
+      <p:sp>
+        <p:nvSpPr>
+          <p:cNvPr id="10" name="직사각형 9">
+            <a:extLst>
+              <a:ext uri="{FF2B5EF4-FFF2-40B4-BE49-F238E27FC236}">
+                <a16:creationId xmlns:a16="http://schemas.microsoft.com/office/drawing/2014/main" id="{8E8F6449-F2E5-4576-968D-BEF944F443F9}"/>
+              </a:ext>
+            </a:extLst>
+          </p:cNvPr>
+          <p:cNvSpPr/>
           <p:nvPr/>
         </p:nvSpPr>
         <p:spPr>
           <a:xfrm>
-            <a:off x="1159672" y="3037364"/>
-            <a:ext cx="651140" cy="369332"/>
+            <a:off x="4266377" y="807301"/>
+            <a:ext cx="6508782" cy="3530514"/>
           </a:xfrm>
           <a:prstGeom prst="rect">
             <a:avLst/>
           </a:prstGeom>
           <a:noFill/>
-        </p:spPr>
-        <p:txBody>
-          <a:bodyPr wrap="none" rtlCol="0">
-            <a:spAutoFit/>
-          </a:bodyPr>
-          <a:lstStyle/>
-          <a:p>
-            <a:r>
-              <a:rPr lang="en-US" altLang="ko-KR" dirty="0"/>
-              <a:t>User</a:t>
-            </a:r>
-            <a:endParaRPr lang="ko-KR" altLang="en-US" dirty="0"/>
-          </a:p>
-        </p:txBody>
-      </p:sp>
-      <p:sp>
-        <p:nvSpPr>
-          <p:cNvPr id="24" name="TextBox 23">
-            <a:extLst>
-              <a:ext uri="{FF2B5EF4-FFF2-40B4-BE49-F238E27FC236}">
-                <a16:creationId xmlns:a16="http://schemas.microsoft.com/office/drawing/2014/main" id="{F3C65CB9-6553-420C-851D-E3AD9451878F}"/>
-              </a:ext>
-            </a:extLst>
-          </p:cNvPr>
-          <p:cNvSpPr txBox="1"/>
-          <p:nvPr/>
-        </p:nvSpPr>
-        <p:spPr>
-          <a:xfrm>
-            <a:off x="619618" y="5778073"/>
-            <a:ext cx="1752403" cy="369332"/>
-          </a:xfrm>
-          <a:prstGeom prst="rect">
-            <a:avLst/>
-          </a:prstGeom>
-          <a:noFill/>
-        </p:spPr>
-        <p:txBody>
-          <a:bodyPr wrap="none" rtlCol="0">
-            <a:spAutoFit/>
-          </a:bodyPr>
-          <a:lstStyle/>
-          <a:p>
-            <a:pPr algn="ctr"/>
-            <a:r>
-              <a:rPr lang="en-US" altLang="ko-KR" dirty="0"/>
-              <a:t>(</a:t>
-            </a:r>
-            <a:r>
-              <a:rPr lang="ko-KR" altLang="en-US" dirty="0"/>
-              <a:t>가명</a:t>
-            </a:r>
-            <a:r>
-              <a:rPr lang="en-US" altLang="ko-KR" dirty="0"/>
-              <a:t>) </a:t>
-            </a:r>
-            <a:r>
-              <a:rPr lang="en-US" altLang="ko-KR" dirty="0" err="1"/>
-              <a:t>SQLMap</a:t>
-            </a:r>
-            <a:endParaRPr lang="ko-KR" altLang="en-US" dirty="0"/>
-          </a:p>
-        </p:txBody>
-      </p:sp>
-      <p:pic>
-        <p:nvPicPr>
-          <p:cNvPr id="26" name="그림 25">
-            <a:extLst>
-              <a:ext uri="{FF2B5EF4-FFF2-40B4-BE49-F238E27FC236}">
-                <a16:creationId xmlns:a16="http://schemas.microsoft.com/office/drawing/2014/main" id="{4357C485-1226-426D-8907-2313BDA32E0C}"/>
-              </a:ext>
-            </a:extLst>
-          </p:cNvPr>
-          <p:cNvPicPr>
-            <a:picLocks noChangeAspect="1"/>
-          </p:cNvPicPr>
-          <p:nvPr/>
-        </p:nvPicPr>
-        <p:blipFill>
-          <a:blip r:embed="rId5">
-            <a:extLst>
-              <a:ext uri="{28A0092B-C50C-407E-A947-70E740481C1C}">
-                <a14:useLocalDpi xmlns:a14="http://schemas.microsoft.com/office/drawing/2010/main" val="0"/>
-              </a:ext>
-            </a:extLst>
-          </a:blip>
-          <a:stretch>
-            <a:fillRect/>
-          </a:stretch>
-        </p:blipFill>
-        <p:spPr>
-          <a:xfrm>
-            <a:off x="10037161" y="2552795"/>
-            <a:ext cx="1752404" cy="1752404"/>
-          </a:xfrm>
-          <a:prstGeom prst="rect">
-            <a:avLst/>
-          </a:prstGeom>
-        </p:spPr>
-      </p:pic>
-      <p:sp>
-        <p:nvSpPr>
-          <p:cNvPr id="27" name="화살표: 아래로 구부러짐 26">
-            <a:extLst>
-              <a:ext uri="{FF2B5EF4-FFF2-40B4-BE49-F238E27FC236}">
-                <a16:creationId xmlns:a16="http://schemas.microsoft.com/office/drawing/2014/main" id="{6E6D71E1-FF29-4C61-A11A-1F7365AB94EC}"/>
-              </a:ext>
-            </a:extLst>
-          </p:cNvPr>
-          <p:cNvSpPr/>
-          <p:nvPr/>
-        </p:nvSpPr>
-        <p:spPr>
-          <a:xfrm>
-            <a:off x="7653015" y="1999083"/>
-            <a:ext cx="2384146" cy="925551"/>
-          </a:xfrm>
-          <a:prstGeom prst="curvedDownArrow">
-            <a:avLst>
-              <a:gd name="adj1" fmla="val 17884"/>
-              <a:gd name="adj2" fmla="val 35426"/>
-              <a:gd name="adj3" fmla="val 39458"/>
-            </a:avLst>
-          </a:prstGeom>
-          <a:solidFill>
-            <a:schemeClr val="tx1"/>
-          </a:solidFill>
-          <a:ln>
-            <a:noFill/>
+          <a:ln w="19050">
+            <a:solidFill>
+              <a:schemeClr val="tx1"/>
+            </a:solidFill>
           </a:ln>
         </p:spPr>
         <p:style>
@@ -3753,20 +3594,20 @@
           <a:lstStyle/>
           <a:p>
             <a:pPr algn="ctr"/>
-            <a:endParaRPr lang="ko-KR" altLang="en-US">
-              <a:solidFill>
-                <a:schemeClr val="tx1"/>
-              </a:solidFill>
-            </a:endParaRPr>
-          </a:p>
-        </p:txBody>
-      </p:sp>
-      <p:sp>
-        <p:nvSpPr>
-          <p:cNvPr id="28" name="TextBox 27">
-            <a:extLst>
-              <a:ext uri="{FF2B5EF4-FFF2-40B4-BE49-F238E27FC236}">
-                <a16:creationId xmlns:a16="http://schemas.microsoft.com/office/drawing/2014/main" id="{B51FA236-E0F2-4A5A-A0C7-A1D9015C26E4}"/>
+            <a:r>
+              <a:rPr lang="ko-KR" altLang="en-US"/>
+              <a:t>ㅁ</a:t>
+            </a:r>
+            <a:endParaRPr lang="ko-KR" altLang="en-US" dirty="0"/>
+          </a:p>
+        </p:txBody>
+      </p:sp>
+      <p:sp>
+        <p:nvSpPr>
+          <p:cNvPr id="11" name="TextBox 10">
+            <a:extLst>
+              <a:ext uri="{FF2B5EF4-FFF2-40B4-BE49-F238E27FC236}">
+                <a16:creationId xmlns:a16="http://schemas.microsoft.com/office/drawing/2014/main" id="{8807A4FA-CD64-452A-800D-40548C2341A4}"/>
               </a:ext>
             </a:extLst>
           </p:cNvPr>
@@ -3775,8 +3616,77 @@
         </p:nvSpPr>
         <p:spPr>
           <a:xfrm>
-            <a:off x="8432761" y="1528581"/>
-            <a:ext cx="824649" cy="369332"/>
+            <a:off x="4416201" y="622635"/>
+            <a:ext cx="1196553" cy="369332"/>
+          </a:xfrm>
+          <a:prstGeom prst="rect">
+            <a:avLst/>
+          </a:prstGeom>
+          <a:solidFill>
+            <a:schemeClr val="bg1"/>
+          </a:solidFill>
+        </p:spPr>
+        <p:txBody>
+          <a:bodyPr wrap="square" rtlCol="0">
+            <a:spAutoFit/>
+          </a:bodyPr>
+          <a:lstStyle/>
+          <a:p>
+            <a:pPr algn="ctr"/>
+            <a:r>
+              <a:rPr lang="en-US" altLang="ko-KR" dirty="0"/>
+              <a:t>AWS</a:t>
+            </a:r>
+            <a:endParaRPr lang="ko-KR" altLang="en-US" dirty="0"/>
+          </a:p>
+        </p:txBody>
+      </p:sp>
+      <p:pic>
+        <p:nvPicPr>
+          <p:cNvPr id="14" name="그림 13">
+            <a:extLst>
+              <a:ext uri="{FF2B5EF4-FFF2-40B4-BE49-F238E27FC236}">
+                <a16:creationId xmlns:a16="http://schemas.microsoft.com/office/drawing/2014/main" id="{48DF9BC2-042D-437F-9B85-6BA542FBDF9A}"/>
+              </a:ext>
+            </a:extLst>
+          </p:cNvPr>
+          <p:cNvPicPr>
+            <a:picLocks noChangeAspect="1"/>
+          </p:cNvPicPr>
+          <p:nvPr/>
+        </p:nvPicPr>
+        <p:blipFill>
+          <a:blip r:embed="rId3"/>
+          <a:stretch>
+            <a:fillRect/>
+          </a:stretch>
+        </p:blipFill>
+        <p:spPr>
+          <a:xfrm>
+            <a:off x="228765" y="1137272"/>
+            <a:ext cx="1677736" cy="1607538"/>
+          </a:xfrm>
+          <a:prstGeom prst="rect">
+            <a:avLst/>
+          </a:prstGeom>
+        </p:spPr>
+      </p:pic>
+      <p:sp>
+        <p:nvSpPr>
+          <p:cNvPr id="15" name="TextBox 14">
+            <a:extLst>
+              <a:ext uri="{FF2B5EF4-FFF2-40B4-BE49-F238E27FC236}">
+                <a16:creationId xmlns:a16="http://schemas.microsoft.com/office/drawing/2014/main" id="{C492944A-8A1B-4F76-ABBF-78CE3A9CC2D6}"/>
+              </a:ext>
+            </a:extLst>
+          </p:cNvPr>
+          <p:cNvSpPr txBox="1"/>
+          <p:nvPr/>
+        </p:nvSpPr>
+        <p:spPr>
+          <a:xfrm>
+            <a:off x="753214" y="2889777"/>
+            <a:ext cx="651140" cy="369332"/>
           </a:xfrm>
           <a:prstGeom prst="rect">
             <a:avLst/>
@@ -3791,18 +3701,185 @@
           <a:p>
             <a:r>
               <a:rPr lang="en-US" altLang="ko-KR" dirty="0"/>
-              <a:t>Query</a:t>
+              <a:t>User</a:t>
             </a:r>
             <a:endParaRPr lang="ko-KR" altLang="en-US" dirty="0"/>
           </a:p>
         </p:txBody>
       </p:sp>
-      <p:sp>
-        <p:nvSpPr>
-          <p:cNvPr id="30" name="화살표: 아래로 구부러짐 29">
-            <a:extLst>
-              <a:ext uri="{FF2B5EF4-FFF2-40B4-BE49-F238E27FC236}">
-                <a16:creationId xmlns:a16="http://schemas.microsoft.com/office/drawing/2014/main" id="{BE01FC5C-7B61-4309-8F30-66F1C083C0A7}"/>
+      <p:cxnSp>
+        <p:nvCxnSpPr>
+          <p:cNvPr id="17" name="직선 화살표 연결선 16">
+            <a:extLst>
+              <a:ext uri="{FF2B5EF4-FFF2-40B4-BE49-F238E27FC236}">
+                <a16:creationId xmlns:a16="http://schemas.microsoft.com/office/drawing/2014/main" id="{9FAAA6BA-A35C-4295-8538-414E4298DF3D}"/>
+              </a:ext>
+            </a:extLst>
+          </p:cNvPr>
+          <p:cNvCxnSpPr>
+            <a:cxnSpLocks/>
+          </p:cNvCxnSpPr>
+          <p:nvPr/>
+        </p:nvCxnSpPr>
+        <p:spPr>
+          <a:xfrm>
+            <a:off x="2085338" y="1908000"/>
+            <a:ext cx="2444793" cy="1"/>
+          </a:xfrm>
+          <a:prstGeom prst="straightConnector1">
+            <a:avLst/>
+          </a:prstGeom>
+          <a:ln w="57150">
+            <a:solidFill>
+              <a:schemeClr val="tx1"/>
+            </a:solidFill>
+            <a:tailEnd type="triangle"/>
+          </a:ln>
+        </p:spPr>
+        <p:style>
+          <a:lnRef idx="1">
+            <a:schemeClr val="accent1"/>
+          </a:lnRef>
+          <a:fillRef idx="0">
+            <a:schemeClr val="accent1"/>
+          </a:fillRef>
+          <a:effectRef idx="0">
+            <a:schemeClr val="accent1"/>
+          </a:effectRef>
+          <a:fontRef idx="minor">
+            <a:schemeClr val="tx1"/>
+          </a:fontRef>
+        </p:style>
+      </p:cxnSp>
+      <p:sp>
+        <p:nvSpPr>
+          <p:cNvPr id="18" name="TextBox 17">
+            <a:extLst>
+              <a:ext uri="{FF2B5EF4-FFF2-40B4-BE49-F238E27FC236}">
+                <a16:creationId xmlns:a16="http://schemas.microsoft.com/office/drawing/2014/main" id="{C73D45F4-F485-4842-8828-96B02E332F96}"/>
+              </a:ext>
+            </a:extLst>
+          </p:cNvPr>
+          <p:cNvSpPr txBox="1"/>
+          <p:nvPr/>
+        </p:nvSpPr>
+        <p:spPr>
+          <a:xfrm>
+            <a:off x="2372244" y="1511536"/>
+            <a:ext cx="1324402" cy="307777"/>
+          </a:xfrm>
+          <a:prstGeom prst="rect">
+            <a:avLst/>
+          </a:prstGeom>
+          <a:noFill/>
+        </p:spPr>
+        <p:txBody>
+          <a:bodyPr wrap="none" rtlCol="0">
+            <a:spAutoFit/>
+          </a:bodyPr>
+          <a:lstStyle/>
+          <a:p>
+            <a:r>
+              <a:rPr lang="ko-KR" altLang="en-US" sz="1400" dirty="0"/>
+              <a:t>이미지 업로드</a:t>
+            </a:r>
+          </a:p>
+        </p:txBody>
+      </p:sp>
+      <p:cxnSp>
+        <p:nvCxnSpPr>
+          <p:cNvPr id="23" name="직선 화살표 연결선 22">
+            <a:extLst>
+              <a:ext uri="{FF2B5EF4-FFF2-40B4-BE49-F238E27FC236}">
+                <a16:creationId xmlns:a16="http://schemas.microsoft.com/office/drawing/2014/main" id="{23EF2060-8041-40E6-A439-C4B3B39A9C01}"/>
+              </a:ext>
+            </a:extLst>
+          </p:cNvPr>
+          <p:cNvCxnSpPr>
+            <a:cxnSpLocks/>
+          </p:cNvCxnSpPr>
+          <p:nvPr/>
+        </p:nvCxnSpPr>
+        <p:spPr>
+          <a:xfrm flipH="1">
+            <a:off x="2009281" y="2254529"/>
+            <a:ext cx="2520850" cy="0"/>
+          </a:xfrm>
+          <a:prstGeom prst="straightConnector1">
+            <a:avLst/>
+          </a:prstGeom>
+          <a:ln w="57150">
+            <a:solidFill>
+              <a:schemeClr val="tx1"/>
+            </a:solidFill>
+            <a:tailEnd type="triangle"/>
+          </a:ln>
+        </p:spPr>
+        <p:style>
+          <a:lnRef idx="1">
+            <a:schemeClr val="accent1"/>
+          </a:lnRef>
+          <a:fillRef idx="0">
+            <a:schemeClr val="accent1"/>
+          </a:fillRef>
+          <a:effectRef idx="0">
+            <a:schemeClr val="accent1"/>
+          </a:effectRef>
+          <a:fontRef idx="minor">
+            <a:schemeClr val="tx1"/>
+          </a:fontRef>
+        </p:style>
+      </p:cxnSp>
+      <p:sp>
+        <p:nvSpPr>
+          <p:cNvPr id="27" name="TextBox 26">
+            <a:extLst>
+              <a:ext uri="{FF2B5EF4-FFF2-40B4-BE49-F238E27FC236}">
+                <a16:creationId xmlns:a16="http://schemas.microsoft.com/office/drawing/2014/main" id="{C59856C5-8790-40B5-860E-D37559E0A423}"/>
+              </a:ext>
+            </a:extLst>
+          </p:cNvPr>
+          <p:cNvSpPr txBox="1"/>
+          <p:nvPr/>
+        </p:nvSpPr>
+        <p:spPr>
+          <a:xfrm>
+            <a:off x="2327637" y="2369726"/>
+            <a:ext cx="2408496" cy="307777"/>
+          </a:xfrm>
+          <a:prstGeom prst="rect">
+            <a:avLst/>
+          </a:prstGeom>
+          <a:noFill/>
+        </p:spPr>
+        <p:txBody>
+          <a:bodyPr wrap="square" rtlCol="0">
+            <a:spAutoFit/>
+          </a:bodyPr>
+          <a:lstStyle/>
+          <a:p>
+            <a:r>
+              <a:rPr lang="ko-KR" altLang="en-US" sz="1400" dirty="0"/>
+              <a:t>사진 분석 결과</a:t>
+            </a:r>
+            <a:r>
+              <a:rPr lang="en-US" altLang="ko-KR" sz="1400" dirty="0"/>
+              <a:t>.</a:t>
+            </a:r>
+            <a:r>
+              <a:rPr lang="en-US" altLang="ko-KR" sz="1400" dirty="0" err="1"/>
+              <a:t>js</a:t>
+            </a:r>
+            <a:endParaRPr lang="ko-KR" altLang="en-US" sz="1400" dirty="0"/>
+          </a:p>
+        </p:txBody>
+      </p:sp>
+      <p:sp>
+        <p:nvSpPr>
+          <p:cNvPr id="28" name="사각형: 둥근 모서리 27">
+            <a:extLst>
+              <a:ext uri="{FF2B5EF4-FFF2-40B4-BE49-F238E27FC236}">
+                <a16:creationId xmlns:a16="http://schemas.microsoft.com/office/drawing/2014/main" id="{929807FA-24DB-49E8-90F9-477FBE468269}"/>
               </a:ext>
             </a:extLst>
           </p:cNvPr>
@@ -3810,22 +3887,18 @@
           <p:nvPr/>
         </p:nvSpPr>
         <p:spPr>
-          <a:xfrm rot="10800000">
-            <a:off x="7541502" y="4305199"/>
-            <a:ext cx="2384146" cy="925551"/>
-          </a:xfrm>
-          <a:prstGeom prst="curvedDownArrow">
-            <a:avLst>
-              <a:gd name="adj1" fmla="val 17884"/>
-              <a:gd name="adj2" fmla="val 35426"/>
-              <a:gd name="adj3" fmla="val 39458"/>
-            </a:avLst>
+          <a:xfrm>
+            <a:off x="8524225" y="1366932"/>
+            <a:ext cx="1676340" cy="1438151"/>
+          </a:xfrm>
+          <a:prstGeom prst="roundRect">
+            <a:avLst/>
           </a:prstGeom>
-          <a:solidFill>
-            <a:schemeClr val="tx1"/>
-          </a:solidFill>
+          <a:noFill/>
           <a:ln>
-            <a:noFill/>
+            <a:solidFill>
+              <a:schemeClr val="tx1"/>
+            </a:solidFill>
           </a:ln>
         </p:spPr>
         <p:style>
@@ -3849,7 +3922,26 @@
           <a:lstStyle/>
           <a:p>
             <a:pPr algn="ctr"/>
-            <a:endParaRPr lang="ko-KR" altLang="en-US">
+            <a:r>
+              <a:rPr lang="en-US" altLang="ko-KR" dirty="0">
+                <a:solidFill>
+                  <a:schemeClr val="tx1"/>
+                </a:solidFill>
+              </a:rPr>
+              <a:t>Aws</a:t>
+            </a:r>
+          </a:p>
+          <a:p>
+            <a:pPr algn="ctr"/>
+            <a:r>
+              <a:rPr lang="en-US" altLang="ko-KR" dirty="0" err="1">
+                <a:solidFill>
+                  <a:schemeClr val="tx1"/>
+                </a:solidFill>
+              </a:rPr>
+              <a:t>Rekognition</a:t>
+            </a:r>
+            <a:endParaRPr lang="ko-KR" altLang="en-US" dirty="0">
               <a:solidFill>
                 <a:schemeClr val="tx1"/>
               </a:solidFill>
@@ -3859,10 +3951,10 @@
       </p:sp>
       <p:sp>
         <p:nvSpPr>
-          <p:cNvPr id="31" name="TextBox 30">
-            <a:extLst>
-              <a:ext uri="{FF2B5EF4-FFF2-40B4-BE49-F238E27FC236}">
-                <a16:creationId xmlns:a16="http://schemas.microsoft.com/office/drawing/2014/main" id="{7A714DAE-AE2F-4F43-86D4-9EB9C6B9E4B4}"/>
+          <p:cNvPr id="29" name="TextBox 28">
+            <a:extLst>
+              <a:ext uri="{FF2B5EF4-FFF2-40B4-BE49-F238E27FC236}">
+                <a16:creationId xmlns:a16="http://schemas.microsoft.com/office/drawing/2014/main" id="{380E6DE6-46BD-45FF-AAC2-6C37ECF06DF6}"/>
               </a:ext>
             </a:extLst>
           </p:cNvPr>
@@ -3871,8 +3963,8 @@
         </p:nvSpPr>
         <p:spPr>
           <a:xfrm>
-            <a:off x="8037622" y="5408741"/>
-            <a:ext cx="1614929" cy="369332"/>
+            <a:off x="6744563" y="909970"/>
+            <a:ext cx="1189749" cy="369332"/>
           </a:xfrm>
           <a:prstGeom prst="rect">
             <a:avLst/>
@@ -3886,74 +3978,18 @@
           <a:lstStyle/>
           <a:p>
             <a:r>
-              <a:rPr lang="en-US" altLang="ko-KR" dirty="0"/>
-              <a:t>Success? Fail?</a:t>
-            </a:r>
-            <a:endParaRPr lang="ko-KR" altLang="en-US" dirty="0"/>
-          </a:p>
-        </p:txBody>
-      </p:sp>
-      <p:sp>
-        <p:nvSpPr>
-          <p:cNvPr id="33" name="화살표: 오른쪽 32">
-            <a:extLst>
-              <a:ext uri="{FF2B5EF4-FFF2-40B4-BE49-F238E27FC236}">
-                <a16:creationId xmlns:a16="http://schemas.microsoft.com/office/drawing/2014/main" id="{221812FD-5770-44A0-B7D8-FCC097751913}"/>
-              </a:ext>
-            </a:extLst>
-          </p:cNvPr>
-          <p:cNvSpPr/>
-          <p:nvPr/>
-        </p:nvSpPr>
-        <p:spPr>
-          <a:xfrm rot="10800000">
-            <a:off x="2654792" y="3682687"/>
-            <a:ext cx="2842760" cy="418170"/>
-          </a:xfrm>
-          <a:prstGeom prst="rightArrow">
-            <a:avLst>
-              <a:gd name="adj1" fmla="val 28666"/>
-              <a:gd name="adj2" fmla="val 92667"/>
-            </a:avLst>
-          </a:prstGeom>
-          <a:solidFill>
-            <a:schemeClr val="tx1"/>
-          </a:solidFill>
-          <a:ln>
-            <a:noFill/>
-          </a:ln>
-        </p:spPr>
-        <p:style>
-          <a:lnRef idx="2">
-            <a:schemeClr val="accent1">
-              <a:shade val="50000"/>
-            </a:schemeClr>
-          </a:lnRef>
-          <a:fillRef idx="1">
-            <a:schemeClr val="accent1"/>
-          </a:fillRef>
-          <a:effectRef idx="0">
-            <a:schemeClr val="accent1"/>
-          </a:effectRef>
-          <a:fontRef idx="minor">
-            <a:schemeClr val="lt1"/>
-          </a:fontRef>
-        </p:style>
-        <p:txBody>
-          <a:bodyPr rtlCol="0" anchor="ctr"/>
-          <a:lstStyle/>
-          <a:p>
-            <a:pPr algn="ctr"/>
-            <a:endParaRPr lang="ko-KR" altLang="en-US"/>
-          </a:p>
-        </p:txBody>
-      </p:sp>
-      <p:sp>
-        <p:nvSpPr>
-          <p:cNvPr id="34" name="TextBox 33">
-            <a:extLst>
-              <a:ext uri="{FF2B5EF4-FFF2-40B4-BE49-F238E27FC236}">
-                <a16:creationId xmlns:a16="http://schemas.microsoft.com/office/drawing/2014/main" id="{3D6E1BBB-49BD-4B6B-8387-4C1536E3FF7B}"/>
+              <a:rPr lang="ko-KR" altLang="en-US" dirty="0"/>
+              <a:t>사진 정보</a:t>
+            </a:r>
+          </a:p>
+        </p:txBody>
+      </p:sp>
+      <p:sp>
+        <p:nvSpPr>
+          <p:cNvPr id="30" name="TextBox 29">
+            <a:extLst>
+              <a:ext uri="{FF2B5EF4-FFF2-40B4-BE49-F238E27FC236}">
+                <a16:creationId xmlns:a16="http://schemas.microsoft.com/office/drawing/2014/main" id="{B41BB813-6076-406F-9E86-F35ECCFCE549}"/>
               </a:ext>
             </a:extLst>
           </p:cNvPr>
@@ -3962,8 +3998,8 @@
         </p:nvSpPr>
         <p:spPr>
           <a:xfrm>
-            <a:off x="3580700" y="4068446"/>
-            <a:ext cx="810863" cy="369332"/>
+            <a:off x="6785439" y="2952727"/>
+            <a:ext cx="1107996" cy="369332"/>
           </a:xfrm>
           <a:prstGeom prst="rect">
             <a:avLst/>
@@ -3977,89 +4013,16 @@
           <a:lstStyle/>
           <a:p>
             <a:r>
-              <a:rPr lang="en-US" altLang="ko-KR" dirty="0"/>
-              <a:t>Result</a:t>
-            </a:r>
-            <a:endParaRPr lang="ko-KR" altLang="en-US" dirty="0"/>
-          </a:p>
-        </p:txBody>
-      </p:sp>
-      <p:sp>
-        <p:nvSpPr>
-          <p:cNvPr id="35" name="TextBox 34">
-            <a:extLst>
-              <a:ext uri="{FF2B5EF4-FFF2-40B4-BE49-F238E27FC236}">
-                <a16:creationId xmlns:a16="http://schemas.microsoft.com/office/drawing/2014/main" id="{BFEFF4F9-C270-4AA7-987D-E062EA23861E}"/>
-              </a:ext>
-            </a:extLst>
-          </p:cNvPr>
-          <p:cNvSpPr txBox="1"/>
-          <p:nvPr/>
-        </p:nvSpPr>
-        <p:spPr>
-          <a:xfrm>
-            <a:off x="6064589" y="4444110"/>
-            <a:ext cx="1124154" cy="369332"/>
-          </a:xfrm>
-          <a:prstGeom prst="rect">
-            <a:avLst/>
-          </a:prstGeom>
-          <a:noFill/>
-        </p:spPr>
-        <p:txBody>
-          <a:bodyPr wrap="none" rtlCol="0">
-            <a:spAutoFit/>
-          </a:bodyPr>
-          <a:lstStyle/>
-          <a:p>
-            <a:r>
-              <a:rPr lang="en-US" altLang="ko-KR" dirty="0"/>
-              <a:t>Web Site</a:t>
-            </a:r>
-            <a:endParaRPr lang="ko-KR" altLang="en-US" dirty="0"/>
-          </a:p>
-        </p:txBody>
-      </p:sp>
-      <p:sp>
-        <p:nvSpPr>
-          <p:cNvPr id="36" name="TextBox 35">
-            <a:extLst>
-              <a:ext uri="{FF2B5EF4-FFF2-40B4-BE49-F238E27FC236}">
-                <a16:creationId xmlns:a16="http://schemas.microsoft.com/office/drawing/2014/main" id="{3FE3B6DE-BA85-42DE-BEFD-B2DAF8E9F946}"/>
-              </a:ext>
-            </a:extLst>
-          </p:cNvPr>
-          <p:cNvSpPr txBox="1"/>
-          <p:nvPr/>
-        </p:nvSpPr>
-        <p:spPr>
-          <a:xfrm>
-            <a:off x="10671149" y="4408305"/>
-            <a:ext cx="484428" cy="369332"/>
-          </a:xfrm>
-          <a:prstGeom prst="rect">
-            <a:avLst/>
-          </a:prstGeom>
-          <a:noFill/>
-        </p:spPr>
-        <p:txBody>
-          <a:bodyPr wrap="none" rtlCol="0">
-            <a:spAutoFit/>
-          </a:bodyPr>
-          <a:lstStyle/>
-          <a:p>
-            <a:r>
-              <a:rPr lang="en-US" altLang="ko-KR" dirty="0"/>
-              <a:t>DB</a:t>
-            </a:r>
-            <a:endParaRPr lang="ko-KR" altLang="en-US" dirty="0"/>
+              <a:rPr lang="ko-KR" altLang="en-US" dirty="0"/>
+              <a:t>분석결과</a:t>
+            </a:r>
           </a:p>
         </p:txBody>
       </p:sp>
     </p:spTree>
     <p:extLst>
       <p:ext uri="{BB962C8B-B14F-4D97-AF65-F5344CB8AC3E}">
-        <p14:creationId xmlns:p14="http://schemas.microsoft.com/office/powerpoint/2010/main" val="2276018887"/>
+        <p14:creationId xmlns:p14="http://schemas.microsoft.com/office/powerpoint/2010/main" val="1733968343"/>
       </p:ext>
     </p:extLst>
   </p:cSld>
@@ -4786,6 +4749,765 @@
     <p:extLst>
       <p:ext uri="{BB962C8B-B14F-4D97-AF65-F5344CB8AC3E}">
         <p14:creationId xmlns:p14="http://schemas.microsoft.com/office/powerpoint/2010/main" val="2783811196"/>
+      </p:ext>
+    </p:extLst>
+  </p:cSld>
+  <p:clrMapOvr>
+    <a:masterClrMapping/>
+  </p:clrMapOvr>
+</p:sld>
+</file>
+
+<file path=ppt/slides/slide3.xml><?xml version="1.0" encoding="utf-8"?>
+<p:sld xmlns:a="http://schemas.openxmlformats.org/drawingml/2006/main" xmlns:r="http://schemas.openxmlformats.org/officeDocument/2006/relationships" xmlns:p="http://schemas.openxmlformats.org/presentationml/2006/main">
+  <p:cSld>
+    <p:spTree>
+      <p:nvGrpSpPr>
+        <p:cNvPr id="1" name=""/>
+        <p:cNvGrpSpPr/>
+        <p:nvPr/>
+      </p:nvGrpSpPr>
+      <p:grpSpPr>
+        <a:xfrm>
+          <a:off x="0" y="0"/>
+          <a:ext cx="0" cy="0"/>
+          <a:chOff x="0" y="0"/>
+          <a:chExt cx="0" cy="0"/>
+        </a:xfrm>
+      </p:grpSpPr>
+      <p:pic>
+        <p:nvPicPr>
+          <p:cNvPr id="4" name="그림 3">
+            <a:extLst>
+              <a:ext uri="{FF2B5EF4-FFF2-40B4-BE49-F238E27FC236}">
+                <a16:creationId xmlns:a16="http://schemas.microsoft.com/office/drawing/2014/main" id="{81CF6A80-30A4-4416-A69F-C15C2C44FE55}"/>
+              </a:ext>
+            </a:extLst>
+          </p:cNvPr>
+          <p:cNvPicPr>
+            <a:picLocks noChangeAspect="1"/>
+          </p:cNvPicPr>
+          <p:nvPr/>
+        </p:nvPicPr>
+        <p:blipFill>
+          <a:blip r:embed="rId2"/>
+          <a:stretch>
+            <a:fillRect/>
+          </a:stretch>
+        </p:blipFill>
+        <p:spPr>
+          <a:xfrm>
+            <a:off x="347005" y="807301"/>
+            <a:ext cx="2276475" cy="2181225"/>
+          </a:xfrm>
+          <a:prstGeom prst="rect">
+            <a:avLst/>
+          </a:prstGeom>
+        </p:spPr>
+      </p:pic>
+      <p:pic>
+        <p:nvPicPr>
+          <p:cNvPr id="6" name="그림 5">
+            <a:extLst>
+              <a:ext uri="{FF2B5EF4-FFF2-40B4-BE49-F238E27FC236}">
+                <a16:creationId xmlns:a16="http://schemas.microsoft.com/office/drawing/2014/main" id="{5FF80791-9FB2-4592-8BB8-DF16D5CF441F}"/>
+              </a:ext>
+            </a:extLst>
+          </p:cNvPr>
+          <p:cNvPicPr>
+            <a:picLocks noChangeAspect="1"/>
+          </p:cNvPicPr>
+          <p:nvPr/>
+        </p:nvPicPr>
+        <p:blipFill>
+          <a:blip r:embed="rId3">
+            <a:extLst>
+              <a:ext uri="{28A0092B-C50C-407E-A947-70E740481C1C}">
+                <a14:useLocalDpi xmlns:a14="http://schemas.microsoft.com/office/drawing/2010/main" val="0"/>
+              </a:ext>
+            </a:extLst>
+          </a:blip>
+          <a:stretch>
+            <a:fillRect/>
+          </a:stretch>
+        </p:blipFill>
+        <p:spPr>
+          <a:xfrm>
+            <a:off x="5711830" y="2461859"/>
+            <a:ext cx="1934275" cy="1934275"/>
+          </a:xfrm>
+          <a:prstGeom prst="rect">
+            <a:avLst/>
+          </a:prstGeom>
+        </p:spPr>
+      </p:pic>
+      <p:pic>
+        <p:nvPicPr>
+          <p:cNvPr id="8" name="그림 7">
+            <a:extLst>
+              <a:ext uri="{FF2B5EF4-FFF2-40B4-BE49-F238E27FC236}">
+                <a16:creationId xmlns:a16="http://schemas.microsoft.com/office/drawing/2014/main" id="{AA1DCFB4-7986-4154-A047-C332460864FA}"/>
+              </a:ext>
+            </a:extLst>
+          </p:cNvPr>
+          <p:cNvPicPr>
+            <a:picLocks noChangeAspect="1"/>
+          </p:cNvPicPr>
+          <p:nvPr/>
+        </p:nvPicPr>
+        <p:blipFill>
+          <a:blip r:embed="rId4">
+            <a:extLst>
+              <a:ext uri="{28A0092B-C50C-407E-A947-70E740481C1C}">
+                <a14:useLocalDpi xmlns:a14="http://schemas.microsoft.com/office/drawing/2010/main" val="0"/>
+              </a:ext>
+            </a:extLst>
+          </a:blip>
+          <a:stretch>
+            <a:fillRect/>
+          </a:stretch>
+        </p:blipFill>
+        <p:spPr>
+          <a:xfrm>
+            <a:off x="646887" y="4090749"/>
+            <a:ext cx="1687324" cy="1687324"/>
+          </a:xfrm>
+          <a:prstGeom prst="rect">
+            <a:avLst/>
+          </a:prstGeom>
+        </p:spPr>
+      </p:pic>
+      <p:sp>
+        <p:nvSpPr>
+          <p:cNvPr id="18" name="십자형 17">
+            <a:extLst>
+              <a:ext uri="{FF2B5EF4-FFF2-40B4-BE49-F238E27FC236}">
+                <a16:creationId xmlns:a16="http://schemas.microsoft.com/office/drawing/2014/main" id="{87E17DA3-BB54-4745-A3F9-178A801EBE41}"/>
+              </a:ext>
+            </a:extLst>
+          </p:cNvPr>
+          <p:cNvSpPr/>
+          <p:nvPr/>
+        </p:nvSpPr>
+        <p:spPr>
+          <a:xfrm>
+            <a:off x="1267793" y="3473601"/>
+            <a:ext cx="434898" cy="418171"/>
+          </a:xfrm>
+          <a:prstGeom prst="plus">
+            <a:avLst>
+              <a:gd name="adj" fmla="val 39744"/>
+            </a:avLst>
+          </a:prstGeom>
+          <a:solidFill>
+            <a:schemeClr val="tx1"/>
+          </a:solidFill>
+          <a:ln>
+            <a:noFill/>
+          </a:ln>
+        </p:spPr>
+        <p:style>
+          <a:lnRef idx="2">
+            <a:schemeClr val="accent1">
+              <a:shade val="50000"/>
+            </a:schemeClr>
+          </a:lnRef>
+          <a:fillRef idx="1">
+            <a:schemeClr val="accent1"/>
+          </a:fillRef>
+          <a:effectRef idx="0">
+            <a:schemeClr val="accent1"/>
+          </a:effectRef>
+          <a:fontRef idx="minor">
+            <a:schemeClr val="lt1"/>
+          </a:fontRef>
+        </p:style>
+        <p:txBody>
+          <a:bodyPr rtlCol="0" anchor="ctr"/>
+          <a:lstStyle/>
+          <a:p>
+            <a:pPr algn="ctr"/>
+            <a:endParaRPr lang="ko-KR" altLang="en-US"/>
+          </a:p>
+        </p:txBody>
+      </p:sp>
+      <p:sp>
+        <p:nvSpPr>
+          <p:cNvPr id="21" name="화살표: 오른쪽 20">
+            <a:extLst>
+              <a:ext uri="{FF2B5EF4-FFF2-40B4-BE49-F238E27FC236}">
+                <a16:creationId xmlns:a16="http://schemas.microsoft.com/office/drawing/2014/main" id="{DB90D68E-522F-4911-8A0D-4E8CC94DEEC0}"/>
+              </a:ext>
+            </a:extLst>
+          </p:cNvPr>
+          <p:cNvSpPr/>
+          <p:nvPr/>
+        </p:nvSpPr>
+        <p:spPr>
+          <a:xfrm>
+            <a:off x="2654792" y="3088884"/>
+            <a:ext cx="2842760" cy="418170"/>
+          </a:xfrm>
+          <a:prstGeom prst="rightArrow">
+            <a:avLst>
+              <a:gd name="adj1" fmla="val 28666"/>
+              <a:gd name="adj2" fmla="val 92667"/>
+            </a:avLst>
+          </a:prstGeom>
+          <a:solidFill>
+            <a:schemeClr val="tx1"/>
+          </a:solidFill>
+          <a:ln>
+            <a:noFill/>
+          </a:ln>
+        </p:spPr>
+        <p:style>
+          <a:lnRef idx="2">
+            <a:schemeClr val="accent1">
+              <a:shade val="50000"/>
+            </a:schemeClr>
+          </a:lnRef>
+          <a:fillRef idx="1">
+            <a:schemeClr val="accent1"/>
+          </a:fillRef>
+          <a:effectRef idx="0">
+            <a:schemeClr val="accent1"/>
+          </a:effectRef>
+          <a:fontRef idx="minor">
+            <a:schemeClr val="lt1"/>
+          </a:fontRef>
+        </p:style>
+        <p:txBody>
+          <a:bodyPr rtlCol="0" anchor="ctr"/>
+          <a:lstStyle/>
+          <a:p>
+            <a:pPr algn="ctr"/>
+            <a:endParaRPr lang="ko-KR" altLang="en-US"/>
+          </a:p>
+        </p:txBody>
+      </p:sp>
+      <p:sp>
+        <p:nvSpPr>
+          <p:cNvPr id="22" name="TextBox 21">
+            <a:extLst>
+              <a:ext uri="{FF2B5EF4-FFF2-40B4-BE49-F238E27FC236}">
+                <a16:creationId xmlns:a16="http://schemas.microsoft.com/office/drawing/2014/main" id="{343FF104-D41A-404B-B22C-F1660927FEC9}"/>
+              </a:ext>
+            </a:extLst>
+          </p:cNvPr>
+          <p:cNvSpPr txBox="1"/>
+          <p:nvPr/>
+        </p:nvSpPr>
+        <p:spPr>
+          <a:xfrm>
+            <a:off x="3047912" y="2353347"/>
+            <a:ext cx="1671098" cy="646331"/>
+          </a:xfrm>
+          <a:prstGeom prst="rect">
+            <a:avLst/>
+          </a:prstGeom>
+          <a:noFill/>
+        </p:spPr>
+        <p:txBody>
+          <a:bodyPr wrap="none" rtlCol="0">
+            <a:spAutoFit/>
+          </a:bodyPr>
+          <a:lstStyle/>
+          <a:p>
+            <a:r>
+              <a:rPr lang="en-US" altLang="ko-KR" dirty="0"/>
+              <a:t>SQL Injection</a:t>
+            </a:r>
+          </a:p>
+          <a:p>
+            <a:r>
+              <a:rPr lang="en-US" altLang="ko-KR" dirty="0"/>
+              <a:t>(GET or POST)</a:t>
+            </a:r>
+            <a:endParaRPr lang="ko-KR" altLang="en-US" dirty="0"/>
+          </a:p>
+        </p:txBody>
+      </p:sp>
+      <p:sp>
+        <p:nvSpPr>
+          <p:cNvPr id="23" name="TextBox 22">
+            <a:extLst>
+              <a:ext uri="{FF2B5EF4-FFF2-40B4-BE49-F238E27FC236}">
+                <a16:creationId xmlns:a16="http://schemas.microsoft.com/office/drawing/2014/main" id="{66CB3F5A-8A4F-4304-A0CA-3AD86EF7DD4F}"/>
+              </a:ext>
+            </a:extLst>
+          </p:cNvPr>
+          <p:cNvSpPr txBox="1"/>
+          <p:nvPr/>
+        </p:nvSpPr>
+        <p:spPr>
+          <a:xfrm>
+            <a:off x="1159672" y="3037364"/>
+            <a:ext cx="651140" cy="369332"/>
+          </a:xfrm>
+          <a:prstGeom prst="rect">
+            <a:avLst/>
+          </a:prstGeom>
+          <a:noFill/>
+        </p:spPr>
+        <p:txBody>
+          <a:bodyPr wrap="none" rtlCol="0">
+            <a:spAutoFit/>
+          </a:bodyPr>
+          <a:lstStyle/>
+          <a:p>
+            <a:r>
+              <a:rPr lang="en-US" altLang="ko-KR" dirty="0"/>
+              <a:t>User</a:t>
+            </a:r>
+            <a:endParaRPr lang="ko-KR" altLang="en-US" dirty="0"/>
+          </a:p>
+        </p:txBody>
+      </p:sp>
+      <p:sp>
+        <p:nvSpPr>
+          <p:cNvPr id="24" name="TextBox 23">
+            <a:extLst>
+              <a:ext uri="{FF2B5EF4-FFF2-40B4-BE49-F238E27FC236}">
+                <a16:creationId xmlns:a16="http://schemas.microsoft.com/office/drawing/2014/main" id="{F3C65CB9-6553-420C-851D-E3AD9451878F}"/>
+              </a:ext>
+            </a:extLst>
+          </p:cNvPr>
+          <p:cNvSpPr txBox="1"/>
+          <p:nvPr/>
+        </p:nvSpPr>
+        <p:spPr>
+          <a:xfrm>
+            <a:off x="619618" y="5778073"/>
+            <a:ext cx="1752403" cy="369332"/>
+          </a:xfrm>
+          <a:prstGeom prst="rect">
+            <a:avLst/>
+          </a:prstGeom>
+          <a:noFill/>
+        </p:spPr>
+        <p:txBody>
+          <a:bodyPr wrap="none" rtlCol="0">
+            <a:spAutoFit/>
+          </a:bodyPr>
+          <a:lstStyle/>
+          <a:p>
+            <a:pPr algn="ctr"/>
+            <a:r>
+              <a:rPr lang="en-US" altLang="ko-KR" dirty="0"/>
+              <a:t>(</a:t>
+            </a:r>
+            <a:r>
+              <a:rPr lang="ko-KR" altLang="en-US" dirty="0"/>
+              <a:t>가명</a:t>
+            </a:r>
+            <a:r>
+              <a:rPr lang="en-US" altLang="ko-KR" dirty="0"/>
+              <a:t>) </a:t>
+            </a:r>
+            <a:r>
+              <a:rPr lang="en-US" altLang="ko-KR" dirty="0" err="1"/>
+              <a:t>SQLMap</a:t>
+            </a:r>
+            <a:endParaRPr lang="ko-KR" altLang="en-US" dirty="0"/>
+          </a:p>
+        </p:txBody>
+      </p:sp>
+      <p:pic>
+        <p:nvPicPr>
+          <p:cNvPr id="26" name="그림 25">
+            <a:extLst>
+              <a:ext uri="{FF2B5EF4-FFF2-40B4-BE49-F238E27FC236}">
+                <a16:creationId xmlns:a16="http://schemas.microsoft.com/office/drawing/2014/main" id="{4357C485-1226-426D-8907-2313BDA32E0C}"/>
+              </a:ext>
+            </a:extLst>
+          </p:cNvPr>
+          <p:cNvPicPr>
+            <a:picLocks noChangeAspect="1"/>
+          </p:cNvPicPr>
+          <p:nvPr/>
+        </p:nvPicPr>
+        <p:blipFill>
+          <a:blip r:embed="rId5">
+            <a:extLst>
+              <a:ext uri="{28A0092B-C50C-407E-A947-70E740481C1C}">
+                <a14:useLocalDpi xmlns:a14="http://schemas.microsoft.com/office/drawing/2010/main" val="0"/>
+              </a:ext>
+            </a:extLst>
+          </a:blip>
+          <a:stretch>
+            <a:fillRect/>
+          </a:stretch>
+        </p:blipFill>
+        <p:spPr>
+          <a:xfrm>
+            <a:off x="10037161" y="2552795"/>
+            <a:ext cx="1752404" cy="1752404"/>
+          </a:xfrm>
+          <a:prstGeom prst="rect">
+            <a:avLst/>
+          </a:prstGeom>
+        </p:spPr>
+      </p:pic>
+      <p:sp>
+        <p:nvSpPr>
+          <p:cNvPr id="27" name="화살표: 아래로 구부러짐 26">
+            <a:extLst>
+              <a:ext uri="{FF2B5EF4-FFF2-40B4-BE49-F238E27FC236}">
+                <a16:creationId xmlns:a16="http://schemas.microsoft.com/office/drawing/2014/main" id="{6E6D71E1-FF29-4C61-A11A-1F7365AB94EC}"/>
+              </a:ext>
+            </a:extLst>
+          </p:cNvPr>
+          <p:cNvSpPr/>
+          <p:nvPr/>
+        </p:nvSpPr>
+        <p:spPr>
+          <a:xfrm>
+            <a:off x="7653015" y="1999083"/>
+            <a:ext cx="2384146" cy="925551"/>
+          </a:xfrm>
+          <a:prstGeom prst="curvedDownArrow">
+            <a:avLst>
+              <a:gd name="adj1" fmla="val 17884"/>
+              <a:gd name="adj2" fmla="val 35426"/>
+              <a:gd name="adj3" fmla="val 39458"/>
+            </a:avLst>
+          </a:prstGeom>
+          <a:solidFill>
+            <a:schemeClr val="tx1"/>
+          </a:solidFill>
+          <a:ln>
+            <a:noFill/>
+          </a:ln>
+        </p:spPr>
+        <p:style>
+          <a:lnRef idx="2">
+            <a:schemeClr val="accent1">
+              <a:shade val="50000"/>
+            </a:schemeClr>
+          </a:lnRef>
+          <a:fillRef idx="1">
+            <a:schemeClr val="accent1"/>
+          </a:fillRef>
+          <a:effectRef idx="0">
+            <a:schemeClr val="accent1"/>
+          </a:effectRef>
+          <a:fontRef idx="minor">
+            <a:schemeClr val="lt1"/>
+          </a:fontRef>
+        </p:style>
+        <p:txBody>
+          <a:bodyPr rtlCol="0" anchor="ctr"/>
+          <a:lstStyle/>
+          <a:p>
+            <a:pPr algn="ctr"/>
+            <a:endParaRPr lang="ko-KR" altLang="en-US">
+              <a:solidFill>
+                <a:schemeClr val="tx1"/>
+              </a:solidFill>
+            </a:endParaRPr>
+          </a:p>
+        </p:txBody>
+      </p:sp>
+      <p:sp>
+        <p:nvSpPr>
+          <p:cNvPr id="28" name="TextBox 27">
+            <a:extLst>
+              <a:ext uri="{FF2B5EF4-FFF2-40B4-BE49-F238E27FC236}">
+                <a16:creationId xmlns:a16="http://schemas.microsoft.com/office/drawing/2014/main" id="{B51FA236-E0F2-4A5A-A0C7-A1D9015C26E4}"/>
+              </a:ext>
+            </a:extLst>
+          </p:cNvPr>
+          <p:cNvSpPr txBox="1"/>
+          <p:nvPr/>
+        </p:nvSpPr>
+        <p:spPr>
+          <a:xfrm>
+            <a:off x="8432761" y="1528581"/>
+            <a:ext cx="824649" cy="369332"/>
+          </a:xfrm>
+          <a:prstGeom prst="rect">
+            <a:avLst/>
+          </a:prstGeom>
+          <a:noFill/>
+        </p:spPr>
+        <p:txBody>
+          <a:bodyPr wrap="none" rtlCol="0">
+            <a:spAutoFit/>
+          </a:bodyPr>
+          <a:lstStyle/>
+          <a:p>
+            <a:r>
+              <a:rPr lang="en-US" altLang="ko-KR" dirty="0"/>
+              <a:t>Query</a:t>
+            </a:r>
+            <a:endParaRPr lang="ko-KR" altLang="en-US" dirty="0"/>
+          </a:p>
+        </p:txBody>
+      </p:sp>
+      <p:sp>
+        <p:nvSpPr>
+          <p:cNvPr id="30" name="화살표: 아래로 구부러짐 29">
+            <a:extLst>
+              <a:ext uri="{FF2B5EF4-FFF2-40B4-BE49-F238E27FC236}">
+                <a16:creationId xmlns:a16="http://schemas.microsoft.com/office/drawing/2014/main" id="{BE01FC5C-7B61-4309-8F30-66F1C083C0A7}"/>
+              </a:ext>
+            </a:extLst>
+          </p:cNvPr>
+          <p:cNvSpPr/>
+          <p:nvPr/>
+        </p:nvSpPr>
+        <p:spPr>
+          <a:xfrm rot="10800000">
+            <a:off x="7541502" y="4305199"/>
+            <a:ext cx="2384146" cy="925551"/>
+          </a:xfrm>
+          <a:prstGeom prst="curvedDownArrow">
+            <a:avLst>
+              <a:gd name="adj1" fmla="val 17884"/>
+              <a:gd name="adj2" fmla="val 35426"/>
+              <a:gd name="adj3" fmla="val 39458"/>
+            </a:avLst>
+          </a:prstGeom>
+          <a:solidFill>
+            <a:schemeClr val="tx1"/>
+          </a:solidFill>
+          <a:ln>
+            <a:noFill/>
+          </a:ln>
+        </p:spPr>
+        <p:style>
+          <a:lnRef idx="2">
+            <a:schemeClr val="accent1">
+              <a:shade val="50000"/>
+            </a:schemeClr>
+          </a:lnRef>
+          <a:fillRef idx="1">
+            <a:schemeClr val="accent1"/>
+          </a:fillRef>
+          <a:effectRef idx="0">
+            <a:schemeClr val="accent1"/>
+          </a:effectRef>
+          <a:fontRef idx="minor">
+            <a:schemeClr val="lt1"/>
+          </a:fontRef>
+        </p:style>
+        <p:txBody>
+          <a:bodyPr rtlCol="0" anchor="ctr"/>
+          <a:lstStyle/>
+          <a:p>
+            <a:pPr algn="ctr"/>
+            <a:endParaRPr lang="ko-KR" altLang="en-US">
+              <a:solidFill>
+                <a:schemeClr val="tx1"/>
+              </a:solidFill>
+            </a:endParaRPr>
+          </a:p>
+        </p:txBody>
+      </p:sp>
+      <p:sp>
+        <p:nvSpPr>
+          <p:cNvPr id="31" name="TextBox 30">
+            <a:extLst>
+              <a:ext uri="{FF2B5EF4-FFF2-40B4-BE49-F238E27FC236}">
+                <a16:creationId xmlns:a16="http://schemas.microsoft.com/office/drawing/2014/main" id="{7A714DAE-AE2F-4F43-86D4-9EB9C6B9E4B4}"/>
+              </a:ext>
+            </a:extLst>
+          </p:cNvPr>
+          <p:cNvSpPr txBox="1"/>
+          <p:nvPr/>
+        </p:nvSpPr>
+        <p:spPr>
+          <a:xfrm>
+            <a:off x="8037622" y="5408741"/>
+            <a:ext cx="1614929" cy="369332"/>
+          </a:xfrm>
+          <a:prstGeom prst="rect">
+            <a:avLst/>
+          </a:prstGeom>
+          <a:noFill/>
+        </p:spPr>
+        <p:txBody>
+          <a:bodyPr wrap="none" rtlCol="0">
+            <a:spAutoFit/>
+          </a:bodyPr>
+          <a:lstStyle/>
+          <a:p>
+            <a:r>
+              <a:rPr lang="en-US" altLang="ko-KR" dirty="0"/>
+              <a:t>Success? Fail?</a:t>
+            </a:r>
+            <a:endParaRPr lang="ko-KR" altLang="en-US" dirty="0"/>
+          </a:p>
+        </p:txBody>
+      </p:sp>
+      <p:sp>
+        <p:nvSpPr>
+          <p:cNvPr id="33" name="화살표: 오른쪽 32">
+            <a:extLst>
+              <a:ext uri="{FF2B5EF4-FFF2-40B4-BE49-F238E27FC236}">
+                <a16:creationId xmlns:a16="http://schemas.microsoft.com/office/drawing/2014/main" id="{221812FD-5770-44A0-B7D8-FCC097751913}"/>
+              </a:ext>
+            </a:extLst>
+          </p:cNvPr>
+          <p:cNvSpPr/>
+          <p:nvPr/>
+        </p:nvSpPr>
+        <p:spPr>
+          <a:xfrm rot="10800000">
+            <a:off x="2654792" y="3682687"/>
+            <a:ext cx="2842760" cy="418170"/>
+          </a:xfrm>
+          <a:prstGeom prst="rightArrow">
+            <a:avLst>
+              <a:gd name="adj1" fmla="val 28666"/>
+              <a:gd name="adj2" fmla="val 92667"/>
+            </a:avLst>
+          </a:prstGeom>
+          <a:solidFill>
+            <a:schemeClr val="tx1"/>
+          </a:solidFill>
+          <a:ln>
+            <a:noFill/>
+          </a:ln>
+        </p:spPr>
+        <p:style>
+          <a:lnRef idx="2">
+            <a:schemeClr val="accent1">
+              <a:shade val="50000"/>
+            </a:schemeClr>
+          </a:lnRef>
+          <a:fillRef idx="1">
+            <a:schemeClr val="accent1"/>
+          </a:fillRef>
+          <a:effectRef idx="0">
+            <a:schemeClr val="accent1"/>
+          </a:effectRef>
+          <a:fontRef idx="minor">
+            <a:schemeClr val="lt1"/>
+          </a:fontRef>
+        </p:style>
+        <p:txBody>
+          <a:bodyPr rtlCol="0" anchor="ctr"/>
+          <a:lstStyle/>
+          <a:p>
+            <a:pPr algn="ctr"/>
+            <a:endParaRPr lang="ko-KR" altLang="en-US"/>
+          </a:p>
+        </p:txBody>
+      </p:sp>
+      <p:sp>
+        <p:nvSpPr>
+          <p:cNvPr id="34" name="TextBox 33">
+            <a:extLst>
+              <a:ext uri="{FF2B5EF4-FFF2-40B4-BE49-F238E27FC236}">
+                <a16:creationId xmlns:a16="http://schemas.microsoft.com/office/drawing/2014/main" id="{3D6E1BBB-49BD-4B6B-8387-4C1536E3FF7B}"/>
+              </a:ext>
+            </a:extLst>
+          </p:cNvPr>
+          <p:cNvSpPr txBox="1"/>
+          <p:nvPr/>
+        </p:nvSpPr>
+        <p:spPr>
+          <a:xfrm>
+            <a:off x="3580700" y="4068446"/>
+            <a:ext cx="810863" cy="369332"/>
+          </a:xfrm>
+          <a:prstGeom prst="rect">
+            <a:avLst/>
+          </a:prstGeom>
+          <a:noFill/>
+        </p:spPr>
+        <p:txBody>
+          <a:bodyPr wrap="none" rtlCol="0">
+            <a:spAutoFit/>
+          </a:bodyPr>
+          <a:lstStyle/>
+          <a:p>
+            <a:r>
+              <a:rPr lang="en-US" altLang="ko-KR" dirty="0"/>
+              <a:t>Result</a:t>
+            </a:r>
+            <a:endParaRPr lang="ko-KR" altLang="en-US" dirty="0"/>
+          </a:p>
+        </p:txBody>
+      </p:sp>
+      <p:sp>
+        <p:nvSpPr>
+          <p:cNvPr id="35" name="TextBox 34">
+            <a:extLst>
+              <a:ext uri="{FF2B5EF4-FFF2-40B4-BE49-F238E27FC236}">
+                <a16:creationId xmlns:a16="http://schemas.microsoft.com/office/drawing/2014/main" id="{BFEFF4F9-C270-4AA7-987D-E062EA23861E}"/>
+              </a:ext>
+            </a:extLst>
+          </p:cNvPr>
+          <p:cNvSpPr txBox="1"/>
+          <p:nvPr/>
+        </p:nvSpPr>
+        <p:spPr>
+          <a:xfrm>
+            <a:off x="6064589" y="4444110"/>
+            <a:ext cx="1124154" cy="369332"/>
+          </a:xfrm>
+          <a:prstGeom prst="rect">
+            <a:avLst/>
+          </a:prstGeom>
+          <a:noFill/>
+        </p:spPr>
+        <p:txBody>
+          <a:bodyPr wrap="none" rtlCol="0">
+            <a:spAutoFit/>
+          </a:bodyPr>
+          <a:lstStyle/>
+          <a:p>
+            <a:r>
+              <a:rPr lang="en-US" altLang="ko-KR" dirty="0"/>
+              <a:t>Web Site</a:t>
+            </a:r>
+            <a:endParaRPr lang="ko-KR" altLang="en-US" dirty="0"/>
+          </a:p>
+        </p:txBody>
+      </p:sp>
+      <p:sp>
+        <p:nvSpPr>
+          <p:cNvPr id="36" name="TextBox 35">
+            <a:extLst>
+              <a:ext uri="{FF2B5EF4-FFF2-40B4-BE49-F238E27FC236}">
+                <a16:creationId xmlns:a16="http://schemas.microsoft.com/office/drawing/2014/main" id="{3FE3B6DE-BA85-42DE-BEFD-B2DAF8E9F946}"/>
+              </a:ext>
+            </a:extLst>
+          </p:cNvPr>
+          <p:cNvSpPr txBox="1"/>
+          <p:nvPr/>
+        </p:nvSpPr>
+        <p:spPr>
+          <a:xfrm>
+            <a:off x="10671149" y="4408305"/>
+            <a:ext cx="484428" cy="369332"/>
+          </a:xfrm>
+          <a:prstGeom prst="rect">
+            <a:avLst/>
+          </a:prstGeom>
+          <a:noFill/>
+        </p:spPr>
+        <p:txBody>
+          <a:bodyPr wrap="none" rtlCol="0">
+            <a:spAutoFit/>
+          </a:bodyPr>
+          <a:lstStyle/>
+          <a:p>
+            <a:r>
+              <a:rPr lang="en-US" altLang="ko-KR" dirty="0"/>
+              <a:t>DB</a:t>
+            </a:r>
+            <a:endParaRPr lang="ko-KR" altLang="en-US" dirty="0"/>
+          </a:p>
+        </p:txBody>
+      </p:sp>
+    </p:spTree>
+    <p:extLst>
+      <p:ext uri="{BB962C8B-B14F-4D97-AF65-F5344CB8AC3E}">
+        <p14:creationId xmlns:p14="http://schemas.microsoft.com/office/powerpoint/2010/main" val="2276018887"/>
       </p:ext>
     </p:extLst>
   </p:cSld>
